--- a/final_presentation.pptx
+++ b/final_presentation.pptx
@@ -1,6 +1,6 @@
 
 <file path=ppt/presentation.xml><?xml version="1.0" encoding="utf-8"?>
-<p:presentation xmlns:a="http://schemas.openxmlformats.org/drawingml/2006/main" xmlns:r="http://schemas.openxmlformats.org/officeDocument/2006/relationships" xmlns:p="http://schemas.openxmlformats.org/presentationml/2006/main" saveSubsetFonts="1" autoCompressPictures="0">
+<p:presentation xmlns:a="http://schemas.openxmlformats.org/drawingml/2006/main" xmlns:r="http://schemas.openxmlformats.org/officeDocument/2006/relationships" xmlns:p="http://schemas.openxmlformats.org/presentationml/2006/main" showSpecialPlsOnTitleSld="0" saveSubsetFonts="1" autoCompressPictures="0">
   <p:sldMasterIdLst>
     <p:sldMasterId id="2147483660" r:id="rId1"/>
     <p:sldMasterId id="2147483668" r:id="rId2"/>
@@ -562,22 +562,6 @@
               </a:spcAft>
               <a:buNone/>
             </a:pPr>
-            <a:r>
-              <a:rPr lang="ko-KR" altLang="en-US" dirty="0"/>
-              <a:t>안녕하세요</a:t>
-            </a:r>
-            <a:r>
-              <a:rPr lang="en-US" altLang="ko-KR" dirty="0"/>
-              <a:t>,</a:t>
-            </a:r>
-            <a:r>
-              <a:rPr lang="ko-KR" altLang="en-US" dirty="0"/>
-              <a:t> 아이오에스 겟짤 스위프트 전환을 담당한 김태윤입니다</a:t>
-            </a:r>
-            <a:r>
-              <a:rPr lang="en-US" altLang="ko-KR" dirty="0"/>
-              <a:t>.</a:t>
-            </a:r>
             <a:endParaRPr dirty="0"/>
           </a:p>
         </p:txBody>
@@ -796,22 +780,6 @@
               </a:spcAft>
               <a:buNone/>
             </a:pPr>
-            <a:r>
-              <a:rPr lang="ko-KR" altLang="en-US" dirty="0"/>
-              <a:t>이상입니다</a:t>
-            </a:r>
-            <a:r>
-              <a:rPr lang="en-US" altLang="ko-KR" dirty="0"/>
-              <a:t>.</a:t>
-            </a:r>
-            <a:r>
-              <a:rPr lang="ko-KR" altLang="en-US" dirty="0"/>
-              <a:t> 감사합니다</a:t>
-            </a:r>
-            <a:r>
-              <a:rPr lang="en-US" altLang="ko-KR" dirty="0"/>
-              <a:t>.</a:t>
-            </a:r>
             <a:endParaRPr dirty="0"/>
           </a:p>
         </p:txBody>
@@ -10768,8 +10736,8 @@
         </p:nvSpPr>
         <p:spPr>
           <a:xfrm>
-            <a:off x="520700" y="3845048"/>
-            <a:ext cx="10962800" cy="1505640"/>
+            <a:off x="520700" y="3845047"/>
+            <a:ext cx="10962800" cy="1929587"/>
           </a:xfrm>
           <a:prstGeom prst="rect">
             <a:avLst/>
@@ -10793,6 +10761,21 @@
                 <a:cs typeface="Noto Sans CJK KR" charset="-127"/>
               </a:rPr>
               <a:t>2020.6.18</a:t>
+            </a:r>
+          </a:p>
+          <a:p>
+            <a:pPr marL="0" indent="0" algn="ctr">
+              <a:lnSpc>
+                <a:spcPct val="150000"/>
+              </a:lnSpc>
+            </a:pPr>
+            <a:r>
+              <a:rPr lang="en-US" sz="2400" dirty="0">
+                <a:latin typeface="Noto Sans CJK KR" charset="-127"/>
+                <a:ea typeface="Noto Sans CJK KR" charset="-127"/>
+                <a:cs typeface="Noto Sans CJK KR" charset="-127"/>
+              </a:rPr>
+              <a:t>Team 29</a:t>
             </a:r>
           </a:p>
           <a:p>
@@ -11382,6 +11365,44 @@
               </a:solidFill>
               <a:latin typeface="Noto Sans CJK KR" panose="020B0500000000000000" pitchFamily="34" charset="-128"/>
               <a:ea typeface="Noto Sans CJK KR" panose="020B0500000000000000" pitchFamily="34" charset="-128"/>
+            </a:endParaRPr>
+          </a:p>
+        </p:txBody>
+      </p:sp>
+      <p:sp>
+        <p:nvSpPr>
+          <p:cNvPr id="17" name="슬라이드 번호 개체 틀 16">
+            <a:extLst>
+              <a:ext uri="{FF2B5EF4-FFF2-40B4-BE49-F238E27FC236}">
+                <a16:creationId xmlns:a16="http://schemas.microsoft.com/office/drawing/2014/main" id="{AEFDE14A-6AD2-B14E-B97A-DD5C6E64DB2B}"/>
+              </a:ext>
+            </a:extLst>
+          </p:cNvPr>
+          <p:cNvSpPr>
+            <a:spLocks noGrp="1"/>
+          </p:cNvSpPr>
+          <p:nvPr>
+            <p:ph type="sldNum" idx="12"/>
+          </p:nvPr>
+        </p:nvSpPr>
+        <p:spPr/>
+        <p:txBody>
+          <a:bodyPr/>
+          <a:lstStyle/>
+          <a:p>
+            <a:fld id="{00000000-1234-1234-1234-123412341234}" type="slidenum">
+              <a:rPr lang="uk-UA" smtClean="0">
+                <a:solidFill>
+                  <a:srgbClr val="737373"/>
+                </a:solidFill>
+              </a:rPr>
+              <a:pPr/>
+              <a:t>10</a:t>
+            </a:fld>
+            <a:endParaRPr lang="uk-UA">
+              <a:solidFill>
+                <a:srgbClr val="737373"/>
+              </a:solidFill>
             </a:endParaRPr>
           </a:p>
         </p:txBody>
@@ -13115,6 +13136,44 @@
           </a:p>
         </p:txBody>
       </p:sp>
+      <p:sp>
+        <p:nvSpPr>
+          <p:cNvPr id="42" name="슬라이드 번호 개체 틀 41">
+            <a:extLst>
+              <a:ext uri="{FF2B5EF4-FFF2-40B4-BE49-F238E27FC236}">
+                <a16:creationId xmlns:a16="http://schemas.microsoft.com/office/drawing/2014/main" id="{80D41DCE-B237-3840-9F74-3CF8CFDE8E8C}"/>
+              </a:ext>
+            </a:extLst>
+          </p:cNvPr>
+          <p:cNvSpPr>
+            <a:spLocks noGrp="1"/>
+          </p:cNvSpPr>
+          <p:nvPr>
+            <p:ph type="sldNum" idx="12"/>
+          </p:nvPr>
+        </p:nvSpPr>
+        <p:spPr/>
+        <p:txBody>
+          <a:bodyPr/>
+          <a:lstStyle/>
+          <a:p>
+            <a:fld id="{00000000-1234-1234-1234-123412341234}" type="slidenum">
+              <a:rPr lang="uk-UA" smtClean="0">
+                <a:solidFill>
+                  <a:srgbClr val="737373"/>
+                </a:solidFill>
+              </a:rPr>
+              <a:pPr/>
+              <a:t>2</a:t>
+            </a:fld>
+            <a:endParaRPr lang="uk-UA">
+              <a:solidFill>
+                <a:srgbClr val="737373"/>
+              </a:solidFill>
+            </a:endParaRPr>
+          </a:p>
+        </p:txBody>
+      </p:sp>
     </p:spTree>
     <p:extLst>
       <p:ext uri="{BB962C8B-B14F-4D97-AF65-F5344CB8AC3E}">
@@ -13794,6 +13853,44 @@
           </a:fontRef>
         </p:style>
       </p:cxnSp>
+      <p:sp>
+        <p:nvSpPr>
+          <p:cNvPr id="10" name="슬라이드 번호 개체 틀 9">
+            <a:extLst>
+              <a:ext uri="{FF2B5EF4-FFF2-40B4-BE49-F238E27FC236}">
+                <a16:creationId xmlns:a16="http://schemas.microsoft.com/office/drawing/2014/main" id="{1A669897-D2B3-674D-9457-42B1CA4CEB24}"/>
+              </a:ext>
+            </a:extLst>
+          </p:cNvPr>
+          <p:cNvSpPr>
+            <a:spLocks noGrp="1"/>
+          </p:cNvSpPr>
+          <p:nvPr>
+            <p:ph type="sldNum" idx="12"/>
+          </p:nvPr>
+        </p:nvSpPr>
+        <p:spPr/>
+        <p:txBody>
+          <a:bodyPr/>
+          <a:lstStyle/>
+          <a:p>
+            <a:fld id="{00000000-1234-1234-1234-123412341234}" type="slidenum">
+              <a:rPr lang="uk-UA" smtClean="0">
+                <a:solidFill>
+                  <a:srgbClr val="737373"/>
+                </a:solidFill>
+              </a:rPr>
+              <a:pPr/>
+              <a:t>3</a:t>
+            </a:fld>
+            <a:endParaRPr lang="uk-UA">
+              <a:solidFill>
+                <a:srgbClr val="737373"/>
+              </a:solidFill>
+            </a:endParaRPr>
+          </a:p>
+        </p:txBody>
+      </p:sp>
     </p:spTree>
     <p:extLst>
       <p:ext uri="{BB962C8B-B14F-4D97-AF65-F5344CB8AC3E}">
@@ -13929,6 +14026,44 @@
           </a:prstGeom>
         </p:spPr>
       </p:pic>
+      <p:sp>
+        <p:nvSpPr>
+          <p:cNvPr id="2" name="슬라이드 번호 개체 틀 1">
+            <a:extLst>
+              <a:ext uri="{FF2B5EF4-FFF2-40B4-BE49-F238E27FC236}">
+                <a16:creationId xmlns:a16="http://schemas.microsoft.com/office/drawing/2014/main" id="{EFF4C728-FB7F-0547-8C48-802D10CA3EE7}"/>
+              </a:ext>
+            </a:extLst>
+          </p:cNvPr>
+          <p:cNvSpPr>
+            <a:spLocks noGrp="1"/>
+          </p:cNvSpPr>
+          <p:nvPr>
+            <p:ph type="sldNum" idx="12"/>
+          </p:nvPr>
+        </p:nvSpPr>
+        <p:spPr/>
+        <p:txBody>
+          <a:bodyPr/>
+          <a:lstStyle/>
+          <a:p>
+            <a:fld id="{00000000-1234-1234-1234-123412341234}" type="slidenum">
+              <a:rPr lang="uk-UA" smtClean="0">
+                <a:solidFill>
+                  <a:srgbClr val="737373"/>
+                </a:solidFill>
+              </a:rPr>
+              <a:pPr/>
+              <a:t>4</a:t>
+            </a:fld>
+            <a:endParaRPr lang="uk-UA">
+              <a:solidFill>
+                <a:srgbClr val="737373"/>
+              </a:solidFill>
+            </a:endParaRPr>
+          </a:p>
+        </p:txBody>
+      </p:sp>
     </p:spTree>
     <p:extLst>
       <p:ext uri="{BB962C8B-B14F-4D97-AF65-F5344CB8AC3E}">
@@ -14670,6 +14805,44 @@
           </a:p>
         </p:txBody>
       </p:sp>
+      <p:sp>
+        <p:nvSpPr>
+          <p:cNvPr id="24" name="슬라이드 번호 개체 틀 23">
+            <a:extLst>
+              <a:ext uri="{FF2B5EF4-FFF2-40B4-BE49-F238E27FC236}">
+                <a16:creationId xmlns:a16="http://schemas.microsoft.com/office/drawing/2014/main" id="{430E4CA4-1424-3541-B391-545CC9ED971B}"/>
+              </a:ext>
+            </a:extLst>
+          </p:cNvPr>
+          <p:cNvSpPr>
+            <a:spLocks noGrp="1"/>
+          </p:cNvSpPr>
+          <p:nvPr>
+            <p:ph type="sldNum" idx="12"/>
+          </p:nvPr>
+        </p:nvSpPr>
+        <p:spPr/>
+        <p:txBody>
+          <a:bodyPr/>
+          <a:lstStyle/>
+          <a:p>
+            <a:fld id="{00000000-1234-1234-1234-123412341234}" type="slidenum">
+              <a:rPr lang="uk-UA" smtClean="0">
+                <a:solidFill>
+                  <a:srgbClr val="737373"/>
+                </a:solidFill>
+              </a:rPr>
+              <a:pPr/>
+              <a:t>5</a:t>
+            </a:fld>
+            <a:endParaRPr lang="uk-UA">
+              <a:solidFill>
+                <a:srgbClr val="737373"/>
+              </a:solidFill>
+            </a:endParaRPr>
+          </a:p>
+        </p:txBody>
+      </p:sp>
     </p:spTree>
     <p:extLst>
       <p:ext uri="{BB962C8B-B14F-4D97-AF65-F5344CB8AC3E}">
@@ -15520,6 +15693,44 @@
               </a:solidFill>
               <a:latin typeface="Noto Sans CJK KR" panose="020B0500000000000000" pitchFamily="34" charset="-128"/>
               <a:ea typeface="Noto Sans CJK KR" panose="020B0500000000000000" pitchFamily="34" charset="-128"/>
+            </a:endParaRPr>
+          </a:p>
+        </p:txBody>
+      </p:sp>
+      <p:sp>
+        <p:nvSpPr>
+          <p:cNvPr id="11" name="슬라이드 번호 개체 틀 10">
+            <a:extLst>
+              <a:ext uri="{FF2B5EF4-FFF2-40B4-BE49-F238E27FC236}">
+                <a16:creationId xmlns:a16="http://schemas.microsoft.com/office/drawing/2014/main" id="{9D681C07-DE44-2745-A87A-A9A7DE56F5B4}"/>
+              </a:ext>
+            </a:extLst>
+          </p:cNvPr>
+          <p:cNvSpPr>
+            <a:spLocks noGrp="1"/>
+          </p:cNvSpPr>
+          <p:nvPr>
+            <p:ph type="sldNum" idx="12"/>
+          </p:nvPr>
+        </p:nvSpPr>
+        <p:spPr/>
+        <p:txBody>
+          <a:bodyPr/>
+          <a:lstStyle/>
+          <a:p>
+            <a:fld id="{00000000-1234-1234-1234-123412341234}" type="slidenum">
+              <a:rPr lang="uk-UA" smtClean="0">
+                <a:solidFill>
+                  <a:srgbClr val="737373"/>
+                </a:solidFill>
+              </a:rPr>
+              <a:pPr/>
+              <a:t>6</a:t>
+            </a:fld>
+            <a:endParaRPr lang="uk-UA">
+              <a:solidFill>
+                <a:srgbClr val="737373"/>
+              </a:solidFill>
             </a:endParaRPr>
           </a:p>
         </p:txBody>
@@ -16008,6 +16219,44 @@
               </a:solidFill>
               <a:latin typeface="Noto Sans CJK KR" panose="020B0500000000000000" pitchFamily="34" charset="-128"/>
               <a:ea typeface="Noto Sans CJK KR" panose="020B0500000000000000" pitchFamily="34" charset="-128"/>
+            </a:endParaRPr>
+          </a:p>
+        </p:txBody>
+      </p:sp>
+      <p:sp>
+        <p:nvSpPr>
+          <p:cNvPr id="10" name="슬라이드 번호 개체 틀 9">
+            <a:extLst>
+              <a:ext uri="{FF2B5EF4-FFF2-40B4-BE49-F238E27FC236}">
+                <a16:creationId xmlns:a16="http://schemas.microsoft.com/office/drawing/2014/main" id="{69DA07CA-C86A-8043-A6A0-240C60C43EEA}"/>
+              </a:ext>
+            </a:extLst>
+          </p:cNvPr>
+          <p:cNvSpPr>
+            <a:spLocks noGrp="1"/>
+          </p:cNvSpPr>
+          <p:nvPr>
+            <p:ph type="sldNum" idx="12"/>
+          </p:nvPr>
+        </p:nvSpPr>
+        <p:spPr/>
+        <p:txBody>
+          <a:bodyPr/>
+          <a:lstStyle/>
+          <a:p>
+            <a:fld id="{00000000-1234-1234-1234-123412341234}" type="slidenum">
+              <a:rPr lang="uk-UA" smtClean="0">
+                <a:solidFill>
+                  <a:srgbClr val="737373"/>
+                </a:solidFill>
+              </a:rPr>
+              <a:pPr/>
+              <a:t>7</a:t>
+            </a:fld>
+            <a:endParaRPr lang="uk-UA">
+              <a:solidFill>
+                <a:srgbClr val="737373"/>
+              </a:solidFill>
             </a:endParaRPr>
           </a:p>
         </p:txBody>
@@ -20894,6 +21143,44 @@
           </a:prstGeom>
         </p:spPr>
       </p:pic>
+      <p:sp>
+        <p:nvSpPr>
+          <p:cNvPr id="2" name="슬라이드 번호 개체 틀 1">
+            <a:extLst>
+              <a:ext uri="{FF2B5EF4-FFF2-40B4-BE49-F238E27FC236}">
+                <a16:creationId xmlns:a16="http://schemas.microsoft.com/office/drawing/2014/main" id="{847290F3-5CC0-1C40-9720-D627B89C81AB}"/>
+              </a:ext>
+            </a:extLst>
+          </p:cNvPr>
+          <p:cNvSpPr>
+            <a:spLocks noGrp="1"/>
+          </p:cNvSpPr>
+          <p:nvPr>
+            <p:ph type="sldNum" idx="12"/>
+          </p:nvPr>
+        </p:nvSpPr>
+        <p:spPr/>
+        <p:txBody>
+          <a:bodyPr/>
+          <a:lstStyle/>
+          <a:p>
+            <a:fld id="{00000000-1234-1234-1234-123412341234}" type="slidenum">
+              <a:rPr lang="uk-UA" smtClean="0">
+                <a:solidFill>
+                  <a:srgbClr val="737373"/>
+                </a:solidFill>
+              </a:rPr>
+              <a:pPr/>
+              <a:t>8</a:t>
+            </a:fld>
+            <a:endParaRPr lang="uk-UA">
+              <a:solidFill>
+                <a:srgbClr val="737373"/>
+              </a:solidFill>
+            </a:endParaRPr>
+          </a:p>
+        </p:txBody>
+      </p:sp>
     </p:spTree>
     <p:extLst>
       <p:ext uri="{BB962C8B-B14F-4D97-AF65-F5344CB8AC3E}">
@@ -21179,6 +21466,44 @@
           </a:prstGeom>
         </p:spPr>
       </p:pic>
+      <p:sp>
+        <p:nvSpPr>
+          <p:cNvPr id="2" name="슬라이드 번호 개체 틀 1">
+            <a:extLst>
+              <a:ext uri="{FF2B5EF4-FFF2-40B4-BE49-F238E27FC236}">
+                <a16:creationId xmlns:a16="http://schemas.microsoft.com/office/drawing/2014/main" id="{9EA0DB23-69B9-FD48-A8BC-AD306ADA6ADC}"/>
+              </a:ext>
+            </a:extLst>
+          </p:cNvPr>
+          <p:cNvSpPr>
+            <a:spLocks noGrp="1"/>
+          </p:cNvSpPr>
+          <p:nvPr>
+            <p:ph type="sldNum" idx="12"/>
+          </p:nvPr>
+        </p:nvSpPr>
+        <p:spPr/>
+        <p:txBody>
+          <a:bodyPr/>
+          <a:lstStyle/>
+          <a:p>
+            <a:fld id="{00000000-1234-1234-1234-123412341234}" type="slidenum">
+              <a:rPr lang="uk-UA" smtClean="0">
+                <a:solidFill>
+                  <a:srgbClr val="737373"/>
+                </a:solidFill>
+              </a:rPr>
+              <a:pPr/>
+              <a:t>9</a:t>
+            </a:fld>
+            <a:endParaRPr lang="uk-UA">
+              <a:solidFill>
+                <a:srgbClr val="737373"/>
+              </a:solidFill>
+            </a:endParaRPr>
+          </a:p>
+        </p:txBody>
+      </p:sp>
     </p:spTree>
     <p:extLst>
       <p:ext uri="{BB962C8B-B14F-4D97-AF65-F5344CB8AC3E}">

--- a/final_presentation.pptx
+++ b/final_presentation.pptx
@@ -562,6 +562,18 @@
               </a:spcAft>
               <a:buNone/>
             </a:pPr>
+            <a:r>
+              <a:rPr lang="en-US" dirty="0"/>
+              <a:t>Hello, we are team 29 and we designed an automatic </a:t>
+            </a:r>
+            <a:r>
+              <a:rPr lang="en-US" dirty="0" err="1"/>
+              <a:t>Stackoverflow</a:t>
+            </a:r>
+            <a:r>
+              <a:rPr lang="en-US" dirty="0"/>
+              <a:t> tagger.</a:t>
+            </a:r>
             <a:endParaRPr dirty="0"/>
           </a:p>
         </p:txBody>
@@ -671,6 +683,40 @@
               </a:spcAft>
               <a:buNone/>
             </a:pPr>
+            <a:r>
+              <a:rPr lang="en-US" dirty="0"/>
+              <a:t>In conclusion, considering the length and position of sentences had no benefit in accuracy. </a:t>
+            </a:r>
+          </a:p>
+          <a:p>
+            <a:pPr marL="0" lvl="0" indent="0" algn="l" rtl="0">
+              <a:spcBef>
+                <a:spcPts val="0"/>
+              </a:spcBef>
+              <a:spcAft>
+                <a:spcPts val="0"/>
+              </a:spcAft>
+              <a:buNone/>
+            </a:pPr>
+            <a:r>
+              <a:rPr lang="en-US" dirty="0"/>
+              <a:t>Correctly matched tags are usually proper nouns, and not matched predictions are more general terms. </a:t>
+            </a:r>
+          </a:p>
+          <a:p>
+            <a:pPr marL="0" lvl="0" indent="0" algn="l" rtl="0">
+              <a:spcBef>
+                <a:spcPts val="0"/>
+              </a:spcBef>
+              <a:spcAft>
+                <a:spcPts val="0"/>
+              </a:spcAft>
+              <a:buNone/>
+            </a:pPr>
+            <a:r>
+              <a:rPr lang="en-US" dirty="0"/>
+              <a:t>Thus, this algorithm is most useful when you want to consider such tags.</a:t>
+            </a:r>
             <a:endParaRPr dirty="0"/>
           </a:p>
         </p:txBody>
@@ -780,6 +826,25 @@
               </a:spcAft>
               <a:buNone/>
             </a:pPr>
+            <a:r>
+              <a:rPr lang="en-US" dirty="0"/>
+              <a:t>Thank you. </a:t>
+            </a:r>
+          </a:p>
+          <a:p>
+            <a:pPr marL="0" lvl="0" indent="0" algn="l" rtl="0">
+              <a:spcBef>
+                <a:spcPts val="0"/>
+              </a:spcBef>
+              <a:spcAft>
+                <a:spcPts val="0"/>
+              </a:spcAft>
+              <a:buNone/>
+            </a:pPr>
+            <a:r>
+              <a:rPr lang="en-US" dirty="0"/>
+              <a:t>Please visit the link provided if you are interested.</a:t>
+            </a:r>
             <a:endParaRPr dirty="0"/>
           </a:p>
         </p:txBody>
@@ -889,6 +954,56 @@
               </a:spcAft>
               <a:buNone/>
             </a:pPr>
+            <a:r>
+              <a:rPr lang="en-US" dirty="0"/>
+              <a:t>Our problem statement was that the users of </a:t>
+            </a:r>
+            <a:r>
+              <a:rPr lang="en-US" dirty="0" err="1"/>
+              <a:t>stackoverflow</a:t>
+            </a:r>
+            <a:r>
+              <a:rPr lang="en-US" dirty="0"/>
+              <a:t> have to manually attach tags to their questions. </a:t>
+            </a:r>
+          </a:p>
+          <a:p>
+            <a:pPr marL="0" lvl="0" indent="0" algn="l" rtl="0">
+              <a:spcBef>
+                <a:spcPts val="0"/>
+              </a:spcBef>
+              <a:spcAft>
+                <a:spcPts val="0"/>
+              </a:spcAft>
+              <a:buNone/>
+            </a:pPr>
+            <a:r>
+              <a:rPr lang="en-US" dirty="0"/>
+              <a:t>Some of you might agree that adding the tags when posting a </a:t>
+            </a:r>
+            <a:r>
+              <a:rPr lang="en-US" dirty="0" err="1"/>
+              <a:t>stackoverflow</a:t>
+            </a:r>
+            <a:r>
+              <a:rPr lang="en-US" dirty="0"/>
+              <a:t> question is quite cumbersome.</a:t>
+            </a:r>
+          </a:p>
+          <a:p>
+            <a:pPr marL="0" lvl="0" indent="0" algn="l" rtl="0">
+              <a:spcBef>
+                <a:spcPts val="0"/>
+              </a:spcBef>
+              <a:spcAft>
+                <a:spcPts val="0"/>
+              </a:spcAft>
+              <a:buNone/>
+            </a:pPr>
+            <a:r>
+              <a:rPr lang="en-US" dirty="0"/>
+              <a:t>So we aimed to design an algorithm that helps them with the process.</a:t>
+            </a:r>
             <a:endParaRPr dirty="0"/>
           </a:p>
         </p:txBody>
@@ -998,6 +1113,78 @@
               </a:spcAft>
               <a:buNone/>
             </a:pPr>
+            <a:r>
+              <a:rPr lang="en-US" dirty="0"/>
+              <a:t>We first prepared the corpus by crawling </a:t>
+            </a:r>
+            <a:r>
+              <a:rPr lang="en-US" dirty="0" err="1"/>
+              <a:t>stackoverflow</a:t>
+            </a:r>
+            <a:r>
+              <a:rPr lang="en-US" dirty="0"/>
+              <a:t> using its API. </a:t>
+            </a:r>
+          </a:p>
+          <a:p>
+            <a:pPr marL="0" lvl="0" indent="0" algn="l" rtl="0">
+              <a:spcBef>
+                <a:spcPts val="0"/>
+              </a:spcBef>
+              <a:spcAft>
+                <a:spcPts val="0"/>
+              </a:spcAft>
+              <a:buNone/>
+            </a:pPr>
+            <a:r>
+              <a:rPr lang="en-US" dirty="0"/>
+              <a:t>Then we determined which words in the post are important enough to be considered a tag. </a:t>
+            </a:r>
+          </a:p>
+          <a:p>
+            <a:pPr marL="0" lvl="0" indent="0" algn="l" rtl="0">
+              <a:spcBef>
+                <a:spcPts val="0"/>
+              </a:spcBef>
+              <a:spcAft>
+                <a:spcPts val="0"/>
+              </a:spcAft>
+              <a:buNone/>
+            </a:pPr>
+            <a:r>
+              <a:rPr lang="en-US" dirty="0"/>
+              <a:t>The prediction was evaluated against the real tags. </a:t>
+            </a:r>
+          </a:p>
+          <a:p>
+            <a:pPr marL="0" lvl="0" indent="0" algn="l" rtl="0">
+              <a:spcBef>
+                <a:spcPts val="0"/>
+              </a:spcBef>
+              <a:spcAft>
+                <a:spcPts val="0"/>
+              </a:spcAft>
+              <a:buNone/>
+            </a:pPr>
+            <a:r>
+              <a:rPr lang="en-US" dirty="0"/>
+              <a:t>If there was an incorrect prediction, we checked if it was one of popular tags. </a:t>
+            </a:r>
+          </a:p>
+          <a:p>
+            <a:pPr marL="0" lvl="0" indent="0" algn="l" rtl="0">
+              <a:spcBef>
+                <a:spcPts val="0"/>
+              </a:spcBef>
+              <a:spcAft>
+                <a:spcPts val="0"/>
+              </a:spcAft>
+              <a:buNone/>
+            </a:pPr>
+            <a:r>
+              <a:rPr lang="en-US" dirty="0"/>
+              <a:t>Then we visualized the results.</a:t>
+            </a:r>
             <a:endParaRPr dirty="0"/>
           </a:p>
         </p:txBody>
@@ -1107,6 +1294,33 @@
               </a:spcAft>
               <a:buNone/>
             </a:pPr>
+            <a:r>
+              <a:rPr lang="en-US" dirty="0"/>
+              <a:t>This is what the corpus looks like.</a:t>
+            </a:r>
+          </a:p>
+          <a:p>
+            <a:pPr marL="0" lvl="0" indent="0" algn="l" rtl="0">
+              <a:spcBef>
+                <a:spcPts val="0"/>
+              </a:spcBef>
+              <a:spcAft>
+                <a:spcPts val="0"/>
+              </a:spcAft>
+              <a:buNone/>
+            </a:pPr>
+            <a:r>
+              <a:rPr lang="en-US" dirty="0"/>
+              <a:t>It is comprised of the id, title, link, content and tags </a:t>
+            </a:r>
+            <a:r>
+              <a:rPr lang="en-US" dirty="0" err="1"/>
+              <a:t>etc</a:t>
+            </a:r>
+            <a:r>
+              <a:rPr lang="en-US" dirty="0"/>
+              <a:t> and contains around 8000 questions.</a:t>
+            </a:r>
             <a:endParaRPr dirty="0"/>
           </a:p>
         </p:txBody>
@@ -1216,6 +1430,40 @@
               </a:spcAft>
               <a:buNone/>
             </a:pPr>
+            <a:r>
+              <a:rPr lang="en-US" dirty="0"/>
+              <a:t>To extract important words from the question, we used a formula called TF-IDF. It measures the significance of a word in a document using the following formula. </a:t>
+            </a:r>
+          </a:p>
+          <a:p>
+            <a:pPr marL="0" lvl="0" indent="0" algn="l" rtl="0">
+              <a:spcBef>
+                <a:spcPts val="0"/>
+              </a:spcBef>
+              <a:spcAft>
+                <a:spcPts val="0"/>
+              </a:spcAft>
+              <a:buNone/>
+            </a:pPr>
+            <a:r>
+              <a:rPr lang="en-US" dirty="0"/>
+              <a:t>We also measured the degree of grammatical dependency of a word because highly dependent words are likely to be the important ones. </a:t>
+            </a:r>
+          </a:p>
+          <a:p>
+            <a:pPr marL="0" lvl="0" indent="0" algn="l" rtl="0">
+              <a:spcBef>
+                <a:spcPts val="0"/>
+              </a:spcBef>
+              <a:spcAft>
+                <a:spcPts val="0"/>
+              </a:spcAft>
+              <a:buNone/>
+            </a:pPr>
+            <a:r>
+              <a:rPr lang="en-US" dirty="0"/>
+              <a:t>We also considered the length and position of each sentence because longer sentences contain more keywords, and sentences at the front or the end are likely to contain the main idea.</a:t>
+            </a:r>
             <a:endParaRPr dirty="0"/>
           </a:p>
         </p:txBody>
@@ -1325,6 +1573,86 @@
               </a:spcAft>
               <a:buNone/>
             </a:pPr>
+            <a:r>
+              <a:rPr lang="en-US" dirty="0"/>
+              <a:t>When evaluating the performance, we compared the predicted tags with the real tags. </a:t>
+            </a:r>
+          </a:p>
+          <a:p>
+            <a:pPr marL="0" lvl="0" indent="0" algn="l" rtl="0">
+              <a:spcBef>
+                <a:spcPts val="0"/>
+              </a:spcBef>
+              <a:spcAft>
+                <a:spcPts val="0"/>
+              </a:spcAft>
+              <a:buNone/>
+            </a:pPr>
+            <a:r>
+              <a:rPr lang="en-US" dirty="0"/>
+              <a:t>There were two parameters we used. </a:t>
+            </a:r>
+          </a:p>
+          <a:p>
+            <a:pPr marL="0" lvl="0" indent="0" algn="l" rtl="0">
+              <a:spcBef>
+                <a:spcPts val="0"/>
+              </a:spcBef>
+              <a:spcAft>
+                <a:spcPts val="0"/>
+              </a:spcAft>
+              <a:buNone/>
+            </a:pPr>
+            <a:r>
+              <a:rPr lang="en-US" dirty="0"/>
+              <a:t>Strict means we ignore words that share the common lemma but are not identical, such as python2 and python3. This was set to false by default.</a:t>
+            </a:r>
+          </a:p>
+          <a:p>
+            <a:pPr marL="0" lvl="0" indent="0" algn="l" rtl="0">
+              <a:spcBef>
+                <a:spcPts val="0"/>
+              </a:spcBef>
+              <a:spcAft>
+                <a:spcPts val="0"/>
+              </a:spcAft>
+              <a:buNone/>
+            </a:pPr>
+            <a:r>
+              <a:rPr lang="en-US" dirty="0"/>
+              <a:t>Inclusive means we count tags that are part of another, such as react and react-native. This was set to true by default.</a:t>
+            </a:r>
+          </a:p>
+          <a:p>
+            <a:pPr marL="0" lvl="0" indent="0" algn="l" rtl="0">
+              <a:spcBef>
+                <a:spcPts val="0"/>
+              </a:spcBef>
+              <a:spcAft>
+                <a:spcPts val="0"/>
+              </a:spcAft>
+              <a:buNone/>
+            </a:pPr>
+            <a:r>
+              <a:rPr lang="en-US" dirty="0"/>
+              <a:t>If a prediction does not match any real tag, we checked if it is one of the popular tags of </a:t>
+            </a:r>
+            <a:r>
+              <a:rPr lang="en-US" dirty="0" err="1"/>
+              <a:t>stackoverflow</a:t>
+            </a:r>
+            <a:r>
+              <a:rPr lang="en-US" dirty="0"/>
+              <a:t>. The </a:t>
+            </a:r>
+            <a:r>
+              <a:rPr lang="en-US" dirty="0" err="1"/>
+              <a:t>stackoverflow</a:t>
+            </a:r>
+            <a:r>
+              <a:rPr lang="en-US" dirty="0"/>
+              <a:t> API was used here as well.</a:t>
+            </a:r>
             <a:endParaRPr dirty="0"/>
           </a:p>
         </p:txBody>
@@ -1434,6 +1762,33 @@
               </a:spcAft>
               <a:buNone/>
             </a:pPr>
+            <a:r>
+              <a:rPr lang="en-US" dirty="0"/>
+              <a:t>Here is an example. This is a question about Django, with tags such as Django-rest-framework and Django-serializer etc. </a:t>
+            </a:r>
+          </a:p>
+          <a:p>
+            <a:pPr marL="0" lvl="0" indent="0" algn="l" rtl="0">
+              <a:spcBef>
+                <a:spcPts val="0"/>
+              </a:spcBef>
+              <a:spcAft>
+                <a:spcPts val="0"/>
+              </a:spcAft>
+              <a:buNone/>
+            </a:pPr>
+            <a:r>
+              <a:rPr lang="en-US" dirty="0"/>
+              <a:t>Using our tool, the predicted tags were </a:t>
+            </a:r>
+            <a:r>
+              <a:rPr lang="en-US" dirty="0" err="1"/>
+              <a:t>django</a:t>
+            </a:r>
+            <a:r>
+              <a:rPr lang="en-US" dirty="0"/>
+              <a:t>, serializer and framework etc.</a:t>
+            </a:r>
             <a:endParaRPr dirty="0"/>
           </a:p>
         </p:txBody>
@@ -1543,6 +1898,25 @@
               </a:spcAft>
               <a:buNone/>
             </a:pPr>
+            <a:r>
+              <a:rPr lang="en-US" dirty="0"/>
+              <a:t>These are the results evaluated for 300 questions. The highest accuracy is achieved in inclusive and not-strict cases, which is the default. </a:t>
+            </a:r>
+          </a:p>
+          <a:p>
+            <a:pPr marL="0" lvl="0" indent="0" algn="l" rtl="0">
+              <a:spcBef>
+                <a:spcPts val="0"/>
+              </a:spcBef>
+              <a:spcAft>
+                <a:spcPts val="0"/>
+              </a:spcAft>
+              <a:buNone/>
+            </a:pPr>
+            <a:r>
+              <a:rPr lang="en-US" dirty="0"/>
+              <a:t>The accuracy was lowered when we took the length and position of sentences into account.</a:t>
+            </a:r>
             <a:endParaRPr dirty="0"/>
           </a:p>
         </p:txBody>
@@ -1652,6 +2026,48 @@
               </a:spcAft>
               <a:buNone/>
             </a:pPr>
+            <a:r>
+              <a:rPr lang="en-US" dirty="0"/>
+              <a:t>The left-most column shows correctly matched predictions. It seems these appeared in text and were significant enough to be found by our tool.</a:t>
+            </a:r>
+          </a:p>
+          <a:p>
+            <a:pPr marL="0" lvl="0" indent="0" algn="l" rtl="0">
+              <a:spcBef>
+                <a:spcPts val="0"/>
+              </a:spcBef>
+              <a:spcAft>
+                <a:spcPts val="0"/>
+              </a:spcAft>
+              <a:buNone/>
+            </a:pPr>
+            <a:r>
+              <a:rPr lang="en-US" dirty="0"/>
+              <a:t>The middle column shows all the predicted tags. Some tags that are not likely to be used as a tag are also included.</a:t>
+            </a:r>
+          </a:p>
+          <a:p>
+            <a:pPr marL="0" lvl="0" indent="0" algn="l" rtl="0">
+              <a:spcBef>
+                <a:spcPts val="0"/>
+              </a:spcBef>
+              <a:spcAft>
+                <a:spcPts val="0"/>
+              </a:spcAft>
+              <a:buNone/>
+            </a:pPr>
+            <a:r>
+              <a:rPr lang="en-US" dirty="0"/>
+              <a:t>The right-most column is the tags not attached by the user but suggested because they are often used in </a:t>
+            </a:r>
+            <a:r>
+              <a:rPr lang="en-US" dirty="0" err="1"/>
+              <a:t>stackoverflow</a:t>
+            </a:r>
+            <a:r>
+              <a:rPr lang="en-US" dirty="0"/>
+              <a:t>.</a:t>
+            </a:r>
             <a:endParaRPr dirty="0"/>
           </a:p>
         </p:txBody>
